--- a/Report/Erdosfall2024_Car_sales_price_prediction_talk.pptx
+++ b/Report/Erdosfall2024_Car_sales_price_prediction_talk.pptx
@@ -204,7 +204,7 @@
           <a:p>
             <a:fld id="{7D1BD353-0E3F-4F7F-B2DA-DDB1E24F65DD}" type="datetimeFigureOut">
               <a:rPr lang="en-US" smtClean="0"/>
-              <a:t>11/19/2024</a:t>
+              <a:t>11/26/2024</a:t>
             </a:fld>
             <a:endParaRPr lang="en-US"/>
           </a:p>
@@ -1140,7 +1140,7 @@
           <a:p>
             <a:fld id="{8C737111-AB33-4E78-99FF-07CB70C4A694}" type="datetimeFigureOut">
               <a:rPr lang="en-US" smtClean="0"/>
-              <a:t>11/19/2024</a:t>
+              <a:t>11/26/2024</a:t>
             </a:fld>
             <a:endParaRPr lang="en-US"/>
           </a:p>
@@ -1338,7 +1338,7 @@
           <a:p>
             <a:fld id="{8C737111-AB33-4E78-99FF-07CB70C4A694}" type="datetimeFigureOut">
               <a:rPr lang="en-US" smtClean="0"/>
-              <a:t>11/19/2024</a:t>
+              <a:t>11/26/2024</a:t>
             </a:fld>
             <a:endParaRPr lang="en-US"/>
           </a:p>
@@ -1546,7 +1546,7 @@
           <a:p>
             <a:fld id="{8C737111-AB33-4E78-99FF-07CB70C4A694}" type="datetimeFigureOut">
               <a:rPr lang="en-US" smtClean="0"/>
-              <a:t>11/19/2024</a:t>
+              <a:t>11/26/2024</a:t>
             </a:fld>
             <a:endParaRPr lang="en-US"/>
           </a:p>
@@ -1744,7 +1744,7 @@
           <a:p>
             <a:fld id="{8C737111-AB33-4E78-99FF-07CB70C4A694}" type="datetimeFigureOut">
               <a:rPr lang="en-US" smtClean="0"/>
-              <a:t>11/19/2024</a:t>
+              <a:t>11/26/2024</a:t>
             </a:fld>
             <a:endParaRPr lang="en-US"/>
           </a:p>
@@ -2019,7 +2019,7 @@
           <a:p>
             <a:fld id="{8C737111-AB33-4E78-99FF-07CB70C4A694}" type="datetimeFigureOut">
               <a:rPr lang="en-US" smtClean="0"/>
-              <a:t>11/19/2024</a:t>
+              <a:t>11/26/2024</a:t>
             </a:fld>
             <a:endParaRPr lang="en-US"/>
           </a:p>
@@ -2284,7 +2284,7 @@
           <a:p>
             <a:fld id="{8C737111-AB33-4E78-99FF-07CB70C4A694}" type="datetimeFigureOut">
               <a:rPr lang="en-US" smtClean="0"/>
-              <a:t>11/19/2024</a:t>
+              <a:t>11/26/2024</a:t>
             </a:fld>
             <a:endParaRPr lang="en-US"/>
           </a:p>
@@ -2696,7 +2696,7 @@
           <a:p>
             <a:fld id="{8C737111-AB33-4E78-99FF-07CB70C4A694}" type="datetimeFigureOut">
               <a:rPr lang="en-US" smtClean="0"/>
-              <a:t>11/19/2024</a:t>
+              <a:t>11/26/2024</a:t>
             </a:fld>
             <a:endParaRPr lang="en-US"/>
           </a:p>
@@ -2837,7 +2837,7 @@
           <a:p>
             <a:fld id="{8C737111-AB33-4E78-99FF-07CB70C4A694}" type="datetimeFigureOut">
               <a:rPr lang="en-US" smtClean="0"/>
-              <a:t>11/19/2024</a:t>
+              <a:t>11/26/2024</a:t>
             </a:fld>
             <a:endParaRPr lang="en-US"/>
           </a:p>
@@ -2950,7 +2950,7 @@
           <a:p>
             <a:fld id="{8C737111-AB33-4E78-99FF-07CB70C4A694}" type="datetimeFigureOut">
               <a:rPr lang="en-US" smtClean="0"/>
-              <a:t>11/19/2024</a:t>
+              <a:t>11/26/2024</a:t>
             </a:fld>
             <a:endParaRPr lang="en-US"/>
           </a:p>
@@ -3261,7 +3261,7 @@
           <a:p>
             <a:fld id="{8C737111-AB33-4E78-99FF-07CB70C4A694}" type="datetimeFigureOut">
               <a:rPr lang="en-US" smtClean="0"/>
-              <a:t>11/19/2024</a:t>
+              <a:t>11/26/2024</a:t>
             </a:fld>
             <a:endParaRPr lang="en-US"/>
           </a:p>
@@ -3549,7 +3549,7 @@
           <a:p>
             <a:fld id="{8C737111-AB33-4E78-99FF-07CB70C4A694}" type="datetimeFigureOut">
               <a:rPr lang="en-US" smtClean="0"/>
-              <a:t>11/19/2024</a:t>
+              <a:t>11/26/2024</a:t>
             </a:fld>
             <a:endParaRPr lang="en-US"/>
           </a:p>
@@ -3790,7 +3790,7 @@
           <a:p>
             <a:fld id="{8C737111-AB33-4E78-99FF-07CB70C4A694}" type="datetimeFigureOut">
               <a:rPr lang="en-US" smtClean="0"/>
-              <a:t>11/19/2024</a:t>
+              <a:t>11/26/2024</a:t>
             </a:fld>
             <a:endParaRPr lang="en-US"/>
           </a:p>
@@ -5049,7 +5049,7 @@
                 <a:latin typeface="Calibri" panose="020F0502020204030204" pitchFamily="34" charset="0"/>
                 <a:cs typeface="Calibri" panose="020F0502020204030204" pitchFamily="34" charset="0"/>
               </a:rPr>
-              <a:t>Buying and selling cars is common experience especially among people leaving in rural areas with little or no transportation</a:t>
+              <a:t>Buying and selling cars is a common experience especially among people leaving in rural areas with little or no transportation</a:t>
             </a:r>
           </a:p>
           <a:p>
@@ -6489,7 +6489,7 @@
         <p:spPr>
           <a:xfrm>
             <a:off x="6098249" y="2433837"/>
-            <a:ext cx="2427275" cy="667072"/>
+            <a:ext cx="2427275" cy="646331"/>
           </a:xfrm>
           <a:prstGeom prst="rect">
             <a:avLst/>
@@ -6845,7 +6845,26 @@
                 <a:effectLst/>
                 <a:latin typeface="-apple-system"/>
               </a:rPr>
-              <a:t>Root Mean Squared Error (RMSE) of 1.35 and </a:t>
+              <a:t>Root Mean Squared Error (RMSE) of 1.35 (sales price is in the units of </a:t>
+            </a:r>
+            <a:r>
+              <a:rPr lang="en-US" sz="2000" dirty="0">
+                <a:solidFill>
+                  <a:srgbClr val="1F2328"/>
+                </a:solidFill>
+                <a:latin typeface="-apple-system"/>
+              </a:rPr>
+              <a:t>1</a:t>
+            </a:r>
+            <a:r>
+              <a:rPr lang="en-US" sz="2000" b="0" i="0" dirty="0">
+                <a:solidFill>
+                  <a:srgbClr val="1F2328"/>
+                </a:solidFill>
+                <a:effectLst/>
+                <a:latin typeface="-apple-system"/>
+              </a:rPr>
+              <a:t>00000 INR) and </a:t>
             </a:r>
             <a:r>
               <a:rPr lang="en-US" sz="2000" dirty="0"/>
@@ -7435,7 +7454,7 @@
               <p:nvPr>
                 <p:extLst>
                   <p:ext uri="{D42A27DB-BD31-4B8C-83A1-F6EECF244321}">
-                    <p14:modId xmlns:p14="http://schemas.microsoft.com/office/powerpoint/2010/main" val="1732670287"/>
+                    <p14:modId xmlns:p14="http://schemas.microsoft.com/office/powerpoint/2010/main" val="66312455"/>
                   </p:ext>
                 </p:extLst>
               </p:nvPr>
@@ -7458,14 +7477,14 @@
                         </a:ext>
                       </a:extLst>
                     </a:gridCol>
-                    <a:gridCol w="1402976">
+                    <a:gridCol w="1690081">
                       <a:extLst>
                         <a:ext uri="{9D8B030D-6E8A-4147-A177-3AD203B41FA5}">
                           <a16:colId xmlns:a16="http://schemas.microsoft.com/office/drawing/2014/main" val="798612749"/>
                         </a:ext>
                       </a:extLst>
                     </a:gridCol>
-                    <a:gridCol w="1905000">
+                    <a:gridCol w="1617895">
                       <a:extLst>
                         <a:ext uri="{9D8B030D-6E8A-4147-A177-3AD203B41FA5}">
                           <a16:colId xmlns:a16="http://schemas.microsoft.com/office/drawing/2014/main" val="1060596525"/>
@@ -7546,6 +7565,7 @@
                         <a:bodyPr/>
                         <a:lstStyle/>
                         <a:p>
+                          <a:pPr/>
                           <a14:m>
                             <m:oMathPara xmlns:m="http://schemas.openxmlformats.org/officeDocument/2006/math">
                               <m:oMathParaPr>
@@ -7555,18 +7575,24 @@
                                 <m:sSup>
                                   <m:sSupPr>
                                     <m:ctrlPr>
-                                      <a:rPr lang="en-US" smtClean="0"/>
+                                      <a:rPr lang="en-US" i="1" smtClean="0">
+                                        <a:latin typeface="Cambria Math" panose="02040503050406030204" pitchFamily="18" charset="0"/>
+                                      </a:rPr>
                                     </m:ctrlPr>
                                   </m:sSupPr>
                                   <m:e>
                                     <m:r>
-                                      <a:rPr lang="en-US" b="1" smtClean="0"/>
+                                      <a:rPr lang="en-US" b="1" smtClean="0">
+                                        <a:latin typeface="Cambria Math" panose="02040503050406030204" pitchFamily="18" charset="0"/>
+                                      </a:rPr>
                                       <m:t>𝑹</m:t>
                                     </m:r>
                                   </m:e>
                                   <m:sup>
                                     <m:r>
-                                      <a:rPr lang="en-US" b="1" smtClean="0"/>
+                                      <a:rPr lang="en-US" b="1" smtClean="0">
+                                        <a:latin typeface="Cambria Math" panose="02040503050406030204" pitchFamily="18" charset="0"/>
+                                      </a:rPr>
                                       <m:t>𝟐</m:t>
                                     </m:r>
                                   </m:sup>
@@ -7947,7 +7973,7 @@
                         <a:p>
                           <a:r>
                             <a:rPr lang="en-US" dirty="0"/>
-                            <a:t>0.89</a:t>
+                            <a:t>0.89 </a:t>
                           </a:r>
                         </a:p>
                       </a:txBody>
@@ -7980,7 +8006,7 @@
               <p:nvPr>
                 <p:extLst>
                   <p:ext uri="{D42A27DB-BD31-4B8C-83A1-F6EECF244321}">
-                    <p14:modId xmlns:p14="http://schemas.microsoft.com/office/powerpoint/2010/main" val="1732670287"/>
+                    <p14:modId xmlns:p14="http://schemas.microsoft.com/office/powerpoint/2010/main" val="66312455"/>
                   </p:ext>
                 </p:extLst>
               </p:nvPr>
@@ -8003,14 +8029,14 @@
                         </a:ext>
                       </a:extLst>
                     </a:gridCol>
-                    <a:gridCol w="1402976">
+                    <a:gridCol w="1690081">
                       <a:extLst>
                         <a:ext uri="{9D8B030D-6E8A-4147-A177-3AD203B41FA5}">
                           <a16:colId xmlns:a16="http://schemas.microsoft.com/office/drawing/2014/main" val="798612749"/>
                         </a:ext>
                       </a:extLst>
                     </a:gridCol>
-                    <a:gridCol w="1905000">
+                    <a:gridCol w="1617895">
                       <a:extLst>
                         <a:ext uri="{9D8B030D-6E8A-4147-A177-3AD203B41FA5}">
                           <a16:colId xmlns:a16="http://schemas.microsoft.com/office/drawing/2014/main" val="1060596525"/>
@@ -8471,7 +8497,7 @@
                         <a:p>
                           <a:r>
                             <a:rPr lang="en-US" dirty="0"/>
-                            <a:t>0.89</a:t>
+                            <a:t>0.89 </a:t>
                           </a:r>
                         </a:p>
                       </a:txBody>
@@ -8699,8 +8725,8 @@
         </p:nvSpPr>
         <p:spPr>
           <a:xfrm>
-            <a:off x="119270" y="516835"/>
-            <a:ext cx="12072730" cy="369332"/>
+            <a:off x="313145" y="484695"/>
+            <a:ext cx="12072730" cy="923330"/>
           </a:xfrm>
           <a:prstGeom prst="rect">
             <a:avLst/>
@@ -8721,7 +8747,39 @@
                 <a:effectLst/>
                 <a:latin typeface="-apple-system"/>
               </a:rPr>
-              <a:t>SHAP shows the contribution of each feature on the prediction of the model. </a:t>
+              <a:t>SHAP values:</a:t>
+            </a:r>
+          </a:p>
+          <a:p>
+            <a:pPr marL="742950" lvl="1" indent="-285750">
+              <a:buFont typeface="Arial" panose="020B0604020202020204" pitchFamily="34" charset="0"/>
+              <a:buChar char="•"/>
+            </a:pPr>
+            <a:r>
+              <a:rPr lang="en-US" b="0" i="0" dirty="0">
+                <a:solidFill>
+                  <a:srgbClr val="242424"/>
+                </a:solidFill>
+                <a:effectLst/>
+                <a:latin typeface="source-serif-pro"/>
+              </a:rPr>
+              <a:t>method based on cooperative game theory </a:t>
+            </a:r>
+          </a:p>
+          <a:p>
+            <a:pPr marL="742950" lvl="1" indent="-285750">
+              <a:buFont typeface="Arial" panose="020B0604020202020204" pitchFamily="34" charset="0"/>
+              <a:buChar char="•"/>
+            </a:pPr>
+            <a:r>
+              <a:rPr lang="en-US" b="0" i="0" dirty="0">
+                <a:solidFill>
+                  <a:srgbClr val="1F2328"/>
+                </a:solidFill>
+                <a:effectLst/>
+                <a:latin typeface="-apple-system"/>
+              </a:rPr>
+              <a:t>shows the contribution of each feature on the prediction of the model</a:t>
             </a:r>
             <a:endParaRPr lang="en-US" dirty="0"/>
           </a:p>
@@ -8755,7 +8813,7 @@
         </p:blipFill>
         <p:spPr>
           <a:xfrm>
-            <a:off x="-1" y="1452698"/>
+            <a:off x="-1" y="1898747"/>
             <a:ext cx="6349511" cy="3644976"/>
           </a:xfrm>
           <a:prstGeom prst="rect">
@@ -8777,7 +8835,7 @@
         </p:nvSpPr>
         <p:spPr>
           <a:xfrm>
-            <a:off x="1139687" y="941601"/>
+            <a:off x="1457987" y="1578148"/>
             <a:ext cx="3869635" cy="584775"/>
           </a:xfrm>
           <a:prstGeom prst="rect">
@@ -8800,7 +8858,26 @@
                 <a:effectLst/>
                 <a:latin typeface="-apple-system"/>
               </a:rPr>
-              <a:t>SHAP values for one single observation x are given by the length of the bar</a:t>
+              <a:t>SHAP values for one single observation </a:t>
+            </a:r>
+            <a:r>
+              <a:rPr lang="en-US" sz="1600" dirty="0">
+                <a:solidFill>
+                  <a:srgbClr val="1F2328"/>
+                </a:solidFill>
+                <a:latin typeface="-apple-system"/>
+              </a:rPr>
+              <a:t>a</a:t>
+            </a:r>
+            <a:r>
+              <a:rPr lang="en-US" sz="1600" b="0" i="0" dirty="0">
+                <a:solidFill>
+                  <a:srgbClr val="1F2328"/>
+                </a:solidFill>
+                <a:effectLst/>
+                <a:latin typeface="-apple-system"/>
+              </a:rPr>
+              <a:t>re given by the length of the bar</a:t>
             </a:r>
             <a:endParaRPr lang="en-US" sz="1600" dirty="0"/>
           </a:p>
@@ -8871,7 +8948,50 @@
         </p:nvSpPr>
         <p:spPr>
           <a:xfrm>
-            <a:off x="5418091" y="1155656"/>
+            <a:off x="5327622" y="5414322"/>
+            <a:ext cx="1037888" cy="461665"/>
+          </a:xfrm>
+          <a:prstGeom prst="rect">
+            <a:avLst/>
+          </a:prstGeom>
+          <a:solidFill>
+            <a:schemeClr val="bg1"/>
+          </a:solidFill>
+        </p:spPr>
+        <p:txBody>
+          <a:bodyPr wrap="square" rtlCol="0">
+            <a:spAutoFit/>
+          </a:bodyPr>
+          <a:lstStyle/>
+          <a:p>
+            <a:r>
+              <a:rPr lang="en-US" sz="1200" dirty="0">
+                <a:solidFill>
+                  <a:schemeClr val="accent6">
+                    <a:lumMod val="75000"/>
+                  </a:schemeClr>
+                </a:solidFill>
+              </a:rPr>
+              <a:t>Predicted value=5.386</a:t>
+            </a:r>
+          </a:p>
+        </p:txBody>
+      </p:sp>
+      <p:sp>
+        <p:nvSpPr>
+          <p:cNvPr id="21" name="TextBox 20">
+            <a:extLst>
+              <a:ext uri="{FF2B5EF4-FFF2-40B4-BE49-F238E27FC236}">
+                <a16:creationId xmlns:a16="http://schemas.microsoft.com/office/drawing/2014/main" id="{BBDA2EEE-028E-8F83-02E0-493EFEB3ABE6}"/>
+              </a:ext>
+            </a:extLst>
+          </p:cNvPr>
+          <p:cNvSpPr txBox="1"/>
+          <p:nvPr/>
+        </p:nvSpPr>
+        <p:spPr>
+          <a:xfrm>
+            <a:off x="3175979" y="5369078"/>
             <a:ext cx="1417982" cy="461665"/>
           </a:xfrm>
           <a:prstGeom prst="rect">
@@ -8888,18 +9008,47 @@
           <a:lstStyle/>
           <a:p>
             <a:r>
-              <a:rPr lang="en-US" sz="1200" dirty="0"/>
-              <a:t>Predicted value=5.386</a:t>
-            </a:r>
-          </a:p>
-        </p:txBody>
-      </p:sp>
-      <p:sp>
-        <p:nvSpPr>
-          <p:cNvPr id="21" name="TextBox 20">
-            <a:extLst>
-              <a:ext uri="{FF2B5EF4-FFF2-40B4-BE49-F238E27FC236}">
-                <a16:creationId xmlns:a16="http://schemas.microsoft.com/office/drawing/2014/main" id="{BBDA2EEE-028E-8F83-02E0-493EFEB3ABE6}"/>
+              <a:rPr lang="en-US" sz="1200" dirty="0">
+                <a:solidFill>
+                  <a:schemeClr val="accent2">
+                    <a:lumMod val="75000"/>
+                  </a:schemeClr>
+                </a:solidFill>
+                <a:latin typeface="-apple-system"/>
+              </a:rPr>
+              <a:t>T</a:t>
+            </a:r>
+            <a:r>
+              <a:rPr lang="en-US" sz="1200" b="0" i="0" dirty="0">
+                <a:solidFill>
+                  <a:schemeClr val="accent2">
+                    <a:lumMod val="75000"/>
+                  </a:schemeClr>
+                </a:solidFill>
+                <a:effectLst/>
+                <a:latin typeface="-apple-system"/>
+              </a:rPr>
+              <a:t>he mean of all predictions</a:t>
+            </a:r>
+            <a:r>
+              <a:rPr lang="en-US" sz="1200" dirty="0">
+                <a:solidFill>
+                  <a:schemeClr val="accent2">
+                    <a:lumMod val="75000"/>
+                  </a:schemeClr>
+                </a:solidFill>
+              </a:rPr>
+              <a:t>=4.742</a:t>
+            </a:r>
+          </a:p>
+        </p:txBody>
+      </p:sp>
+      <p:sp>
+        <p:nvSpPr>
+          <p:cNvPr id="6" name="TextBox 5">
+            <a:extLst>
+              <a:ext uri="{FF2B5EF4-FFF2-40B4-BE49-F238E27FC236}">
+                <a16:creationId xmlns:a16="http://schemas.microsoft.com/office/drawing/2014/main" id="{DF86F088-393E-074C-2C5E-52AA4B649B68}"/>
               </a:ext>
             </a:extLst>
           </p:cNvPr>
@@ -8908,8 +9057,106 @@
         </p:nvSpPr>
         <p:spPr>
           <a:xfrm>
-            <a:off x="3074504" y="4933051"/>
-            <a:ext cx="1417982" cy="461665"/>
+            <a:off x="773429" y="6195171"/>
+            <a:ext cx="5238750" cy="461665"/>
+          </a:xfrm>
+          <a:prstGeom prst="rect">
+            <a:avLst/>
+          </a:prstGeom>
+          <a:noFill/>
+        </p:spPr>
+        <p:txBody>
+          <a:bodyPr wrap="square">
+            <a:spAutoFit/>
+          </a:bodyPr>
+          <a:lstStyle/>
+          <a:p>
+            <a:pPr algn="ctr"/>
+            <a:r>
+              <a:rPr lang="en-US" sz="1200" b="0" i="0" dirty="0">
+                <a:solidFill>
+                  <a:srgbClr val="242424"/>
+                </a:solidFill>
+                <a:effectLst/>
+                <a:latin typeface="source-serif-pro"/>
+              </a:rPr>
+              <a:t>The sum of all SHAP values will be equal to </a:t>
+            </a:r>
+            <a:r>
+              <a:rPr lang="en-US" sz="1200" b="0" i="0" dirty="0">
+                <a:solidFill>
+                  <a:srgbClr val="1F2328"/>
+                </a:solidFill>
+                <a:effectLst/>
+                <a:latin typeface="-apple-system"/>
+              </a:rPr>
+              <a:t>the difference between mean of all predictions and </a:t>
+            </a:r>
+            <a:r>
+              <a:rPr lang="en-US" sz="1200" b="0" i="0" dirty="0">
+                <a:solidFill>
+                  <a:srgbClr val="242424"/>
+                </a:solidFill>
+                <a:effectLst/>
+                <a:latin typeface="source-serif-pro"/>
+              </a:rPr>
+              <a:t>predicted value</a:t>
+            </a:r>
+            <a:endParaRPr lang="en-US" sz="1200" dirty="0"/>
+          </a:p>
+        </p:txBody>
+      </p:sp>
+      <p:sp>
+        <p:nvSpPr>
+          <p:cNvPr id="2" name="TextBox 1">
+            <a:extLst>
+              <a:ext uri="{FF2B5EF4-FFF2-40B4-BE49-F238E27FC236}">
+                <a16:creationId xmlns:a16="http://schemas.microsoft.com/office/drawing/2014/main" id="{9BD0FAB2-E369-5FD3-9F15-E68496EC6D93}"/>
+              </a:ext>
+            </a:extLst>
+          </p:cNvPr>
+          <p:cNvSpPr txBox="1"/>
+          <p:nvPr/>
+        </p:nvSpPr>
+        <p:spPr>
+          <a:xfrm>
+            <a:off x="4299613" y="5713043"/>
+            <a:ext cx="1237080" cy="276999"/>
+          </a:xfrm>
+          <a:prstGeom prst="rect">
+            <a:avLst/>
+          </a:prstGeom>
+          <a:noFill/>
+        </p:spPr>
+        <p:txBody>
+          <a:bodyPr wrap="square" rtlCol="0">
+            <a:spAutoFit/>
+          </a:bodyPr>
+          <a:lstStyle/>
+          <a:p>
+            <a:r>
+              <a:rPr lang="en-US" sz="1200" dirty="0"/>
+              <a:t>Car sales price</a:t>
+            </a:r>
+          </a:p>
+        </p:txBody>
+      </p:sp>
+      <p:sp>
+        <p:nvSpPr>
+          <p:cNvPr id="7" name="TextBox 6">
+            <a:extLst>
+              <a:ext uri="{FF2B5EF4-FFF2-40B4-BE49-F238E27FC236}">
+                <a16:creationId xmlns:a16="http://schemas.microsoft.com/office/drawing/2014/main" id="{24C951BA-D6A8-605A-3C21-4DFC94DFB3EA}"/>
+              </a:ext>
+            </a:extLst>
+          </p:cNvPr>
+          <p:cNvSpPr txBox="1"/>
+          <p:nvPr/>
+        </p:nvSpPr>
+        <p:spPr>
+          <a:xfrm>
+            <a:off x="5493235" y="1885923"/>
+            <a:ext cx="1037888" cy="276999"/>
           </a:xfrm>
           <a:prstGeom prst="rect">
             <a:avLst/>
@@ -8924,32 +9171,94 @@
           </a:bodyPr>
           <a:lstStyle/>
           <a:p>
-            <a:r>
-              <a:rPr lang="en-US" sz="1200" dirty="0">
-                <a:solidFill>
-                  <a:srgbClr val="1F2328"/>
-                </a:solidFill>
-                <a:latin typeface="-apple-system"/>
-              </a:rPr>
-              <a:t>T</a:t>
-            </a:r>
-            <a:r>
-              <a:rPr lang="en-US" sz="1200" b="0" i="0" dirty="0">
-                <a:solidFill>
-                  <a:srgbClr val="1F2328"/>
-                </a:solidFill>
-                <a:effectLst/>
-                <a:latin typeface="-apple-system"/>
-              </a:rPr>
-              <a:t>he mean of all predictions</a:t>
-            </a:r>
-            <a:r>
-              <a:rPr lang="en-US" sz="1200" dirty="0"/>
-              <a:t>=4.742</a:t>
-            </a:r>
-          </a:p>
-        </p:txBody>
-      </p:sp>
+            <a:endParaRPr lang="en-US" sz="1200" dirty="0">
+              <a:solidFill>
+                <a:schemeClr val="accent6">
+                  <a:lumMod val="75000"/>
+                </a:schemeClr>
+              </a:solidFill>
+            </a:endParaRPr>
+          </a:p>
+        </p:txBody>
+      </p:sp>
+      <p:cxnSp>
+        <p:nvCxnSpPr>
+          <p:cNvPr id="9" name="Straight Connector 8">
+            <a:extLst>
+              <a:ext uri="{FF2B5EF4-FFF2-40B4-BE49-F238E27FC236}">
+                <a16:creationId xmlns:a16="http://schemas.microsoft.com/office/drawing/2014/main" id="{A01F4A0F-7A74-1ABC-B623-A2CE62112C75}"/>
+              </a:ext>
+            </a:extLst>
+          </p:cNvPr>
+          <p:cNvCxnSpPr/>
+          <p:nvPr/>
+        </p:nvCxnSpPr>
+        <p:spPr>
+          <a:xfrm flipV="1">
+            <a:off x="5760138" y="2162922"/>
+            <a:ext cx="0" cy="3041377"/>
+          </a:xfrm>
+          <a:prstGeom prst="line">
+            <a:avLst/>
+          </a:prstGeom>
+        </p:spPr>
+        <p:style>
+          <a:lnRef idx="1">
+            <a:schemeClr val="accent6"/>
+          </a:lnRef>
+          <a:fillRef idx="0">
+            <a:schemeClr val="accent6"/>
+          </a:fillRef>
+          <a:effectRef idx="0">
+            <a:schemeClr val="accent6"/>
+          </a:effectRef>
+          <a:fontRef idx="minor">
+            <a:schemeClr val="tx1"/>
+          </a:fontRef>
+        </p:style>
+      </p:cxnSp>
+      <p:cxnSp>
+        <p:nvCxnSpPr>
+          <p:cNvPr id="10" name="Straight Connector 9">
+            <a:extLst>
+              <a:ext uri="{FF2B5EF4-FFF2-40B4-BE49-F238E27FC236}">
+                <a16:creationId xmlns:a16="http://schemas.microsoft.com/office/drawing/2014/main" id="{A2C0B059-DD73-C539-EFBB-782FCF227EC3}"/>
+              </a:ext>
+            </a:extLst>
+          </p:cNvPr>
+          <p:cNvCxnSpPr>
+            <a:cxnSpLocks/>
+          </p:cNvCxnSpPr>
+          <p:nvPr/>
+        </p:nvCxnSpPr>
+        <p:spPr>
+          <a:xfrm flipV="1">
+            <a:off x="3623626" y="5078706"/>
+            <a:ext cx="0" cy="125593"/>
+          </a:xfrm>
+          <a:prstGeom prst="line">
+            <a:avLst/>
+          </a:prstGeom>
+          <a:ln>
+            <a:headEnd type="none" w="med" len="med"/>
+            <a:tailEnd type="none" w="med" len="med"/>
+          </a:ln>
+        </p:spPr>
+        <p:style>
+          <a:lnRef idx="3">
+            <a:schemeClr val="accent2"/>
+          </a:lnRef>
+          <a:fillRef idx="0">
+            <a:schemeClr val="accent2"/>
+          </a:fillRef>
+          <a:effectRef idx="2">
+            <a:schemeClr val="accent2"/>
+          </a:effectRef>
+          <a:fontRef idx="minor">
+            <a:schemeClr val="tx1"/>
+          </a:fontRef>
+        </p:style>
+      </p:cxnSp>
     </p:spTree>
     <p:extLst>
       <p:ext uri="{BB962C8B-B14F-4D97-AF65-F5344CB8AC3E}">
@@ -9145,7 +9454,7 @@
                     <a:effectLst/>
                     <a:latin typeface="-apple-system"/>
                   </a:rPr>
-                  <a:t>Overall best model performance was obtained wit </a:t>
+                  <a:t>Overall best model performance was obtained with </a:t>
                 </a:r>
                 <a:r>
                   <a:rPr lang="en-US" sz="2000" i="0" dirty="0" err="1">

--- a/Report/Erdosfall2024_Car_sales_price_prediction_talk.pptx
+++ b/Report/Erdosfall2024_Car_sales_price_prediction_talk.pptx
@@ -204,7 +204,7 @@
           <a:p>
             <a:fld id="{7D1BD353-0E3F-4F7F-B2DA-DDB1E24F65DD}" type="datetimeFigureOut">
               <a:rPr lang="en-US" smtClean="0"/>
-              <a:t>11/26/2024</a:t>
+              <a:t>12/16/2024</a:t>
             </a:fld>
             <a:endParaRPr lang="en-US"/>
           </a:p>
@@ -1140,7 +1140,7 @@
           <a:p>
             <a:fld id="{8C737111-AB33-4E78-99FF-07CB70C4A694}" type="datetimeFigureOut">
               <a:rPr lang="en-US" smtClean="0"/>
-              <a:t>11/26/2024</a:t>
+              <a:t>12/16/2024</a:t>
             </a:fld>
             <a:endParaRPr lang="en-US"/>
           </a:p>
@@ -1338,7 +1338,7 @@
           <a:p>
             <a:fld id="{8C737111-AB33-4E78-99FF-07CB70C4A694}" type="datetimeFigureOut">
               <a:rPr lang="en-US" smtClean="0"/>
-              <a:t>11/26/2024</a:t>
+              <a:t>12/16/2024</a:t>
             </a:fld>
             <a:endParaRPr lang="en-US"/>
           </a:p>
@@ -1546,7 +1546,7 @@
           <a:p>
             <a:fld id="{8C737111-AB33-4E78-99FF-07CB70C4A694}" type="datetimeFigureOut">
               <a:rPr lang="en-US" smtClean="0"/>
-              <a:t>11/26/2024</a:t>
+              <a:t>12/16/2024</a:t>
             </a:fld>
             <a:endParaRPr lang="en-US"/>
           </a:p>
@@ -1744,7 +1744,7 @@
           <a:p>
             <a:fld id="{8C737111-AB33-4E78-99FF-07CB70C4A694}" type="datetimeFigureOut">
               <a:rPr lang="en-US" smtClean="0"/>
-              <a:t>11/26/2024</a:t>
+              <a:t>12/16/2024</a:t>
             </a:fld>
             <a:endParaRPr lang="en-US"/>
           </a:p>
@@ -2019,7 +2019,7 @@
           <a:p>
             <a:fld id="{8C737111-AB33-4E78-99FF-07CB70C4A694}" type="datetimeFigureOut">
               <a:rPr lang="en-US" smtClean="0"/>
-              <a:t>11/26/2024</a:t>
+              <a:t>12/16/2024</a:t>
             </a:fld>
             <a:endParaRPr lang="en-US"/>
           </a:p>
@@ -2284,7 +2284,7 @@
           <a:p>
             <a:fld id="{8C737111-AB33-4E78-99FF-07CB70C4A694}" type="datetimeFigureOut">
               <a:rPr lang="en-US" smtClean="0"/>
-              <a:t>11/26/2024</a:t>
+              <a:t>12/16/2024</a:t>
             </a:fld>
             <a:endParaRPr lang="en-US"/>
           </a:p>
@@ -2696,7 +2696,7 @@
           <a:p>
             <a:fld id="{8C737111-AB33-4E78-99FF-07CB70C4A694}" type="datetimeFigureOut">
               <a:rPr lang="en-US" smtClean="0"/>
-              <a:t>11/26/2024</a:t>
+              <a:t>12/16/2024</a:t>
             </a:fld>
             <a:endParaRPr lang="en-US"/>
           </a:p>
@@ -2837,7 +2837,7 @@
           <a:p>
             <a:fld id="{8C737111-AB33-4E78-99FF-07CB70C4A694}" type="datetimeFigureOut">
               <a:rPr lang="en-US" smtClean="0"/>
-              <a:t>11/26/2024</a:t>
+              <a:t>12/16/2024</a:t>
             </a:fld>
             <a:endParaRPr lang="en-US"/>
           </a:p>
@@ -2950,7 +2950,7 @@
           <a:p>
             <a:fld id="{8C737111-AB33-4E78-99FF-07CB70C4A694}" type="datetimeFigureOut">
               <a:rPr lang="en-US" smtClean="0"/>
-              <a:t>11/26/2024</a:t>
+              <a:t>12/16/2024</a:t>
             </a:fld>
             <a:endParaRPr lang="en-US"/>
           </a:p>
@@ -3261,7 +3261,7 @@
           <a:p>
             <a:fld id="{8C737111-AB33-4E78-99FF-07CB70C4A694}" type="datetimeFigureOut">
               <a:rPr lang="en-US" smtClean="0"/>
-              <a:t>11/26/2024</a:t>
+              <a:t>12/16/2024</a:t>
             </a:fld>
             <a:endParaRPr lang="en-US"/>
           </a:p>
@@ -3549,7 +3549,7 @@
           <a:p>
             <a:fld id="{8C737111-AB33-4E78-99FF-07CB70C4A694}" type="datetimeFigureOut">
               <a:rPr lang="en-US" smtClean="0"/>
-              <a:t>11/26/2024</a:t>
+              <a:t>12/16/2024</a:t>
             </a:fld>
             <a:endParaRPr lang="en-US"/>
           </a:p>
@@ -3790,7 +3790,7 @@
           <a:p>
             <a:fld id="{8C737111-AB33-4E78-99FF-07CB70C4A694}" type="datetimeFigureOut">
               <a:rPr lang="en-US" smtClean="0"/>
-              <a:t>11/26/2024</a:t>
+              <a:t>12/16/2024</a:t>
             </a:fld>
             <a:endParaRPr lang="en-US"/>
           </a:p>
@@ -6811,110 +6811,200 @@
           </a:p>
         </p:txBody>
       </p:sp>
-      <p:sp>
-        <p:nvSpPr>
-          <p:cNvPr id="2" name="TextBox 1"/>
-          <p:cNvSpPr txBox="1"/>
-          <p:nvPr/>
-        </p:nvSpPr>
-        <p:spPr>
-          <a:xfrm>
-            <a:off x="347663" y="708553"/>
-            <a:ext cx="11006137" cy="1015663"/>
-          </a:xfrm>
-          <a:prstGeom prst="rect">
-            <a:avLst/>
-          </a:prstGeom>
-          <a:noFill/>
-        </p:spPr>
-        <p:txBody>
-          <a:bodyPr wrap="square" rtlCol="0">
-            <a:spAutoFit/>
-          </a:bodyPr>
-          <a:lstStyle/>
-          <a:p>
-            <a:pPr marL="285750" indent="-285750">
-              <a:buFont typeface="Wingdings" charset="2"/>
-              <a:buChar char="q"/>
-            </a:pPr>
-            <a:r>
-              <a:rPr lang="en-US" sz="2000" b="0" i="0" dirty="0">
-                <a:solidFill>
-                  <a:srgbClr val="1F2328"/>
-                </a:solidFill>
-                <a:effectLst/>
-                <a:latin typeface="-apple-system"/>
-              </a:rPr>
-              <a:t>Root Mean Squared Error (RMSE) of 1.35 (sales price is in the units of </a:t>
-            </a:r>
-            <a:r>
-              <a:rPr lang="en-US" sz="2000" dirty="0">
-                <a:solidFill>
-                  <a:srgbClr val="1F2328"/>
-                </a:solidFill>
-                <a:latin typeface="-apple-system"/>
-              </a:rPr>
-              <a:t>1</a:t>
-            </a:r>
-            <a:r>
-              <a:rPr lang="en-US" sz="2000" b="0" i="0" dirty="0">
-                <a:solidFill>
-                  <a:srgbClr val="1F2328"/>
-                </a:solidFill>
-                <a:effectLst/>
-                <a:latin typeface="-apple-system"/>
-              </a:rPr>
-              <a:t>00000 INR) and </a:t>
-            </a:r>
-            <a:r>
-              <a:rPr lang="en-US" sz="2000" dirty="0"/>
-              <a:t>R2=0.73.</a:t>
-            </a:r>
-          </a:p>
-          <a:p>
-            <a:pPr marL="285750" indent="-285750">
-              <a:buFont typeface="Wingdings" charset="2"/>
-              <a:buChar char="q"/>
-            </a:pPr>
-            <a:r>
-              <a:rPr lang="en-US" sz="2000" dirty="0">
-                <a:solidFill>
-                  <a:srgbClr val="1F2328"/>
-                </a:solidFill>
-                <a:latin typeface="-apple-system"/>
-              </a:rPr>
-              <a:t>C</a:t>
-            </a:r>
-            <a:r>
-              <a:rPr lang="en-US" sz="2000" b="0" i="0" dirty="0">
-                <a:solidFill>
-                  <a:srgbClr val="1F2328"/>
-                </a:solidFill>
-                <a:effectLst/>
-                <a:latin typeface="-apple-system"/>
-              </a:rPr>
-              <a:t>alculate residuals (difference between predicted label values and true values) and check </a:t>
-            </a:r>
-            <a:r>
-              <a:rPr lang="en-US" sz="2000" b="0" i="0" dirty="0">
-                <a:solidFill>
-                  <a:srgbClr val="001D35"/>
-                </a:solidFill>
-                <a:effectLst/>
-                <a:latin typeface="Google Sans"/>
-              </a:rPr>
-              <a:t>Linear Regression assumptions</a:t>
-            </a:r>
-            <a:endParaRPr lang="en-US" sz="2000" b="0" i="0" dirty="0">
-              <a:solidFill>
-                <a:srgbClr val="1F2328"/>
-              </a:solidFill>
-              <a:effectLst/>
-              <a:latin typeface="-apple-system"/>
-            </a:endParaRPr>
-          </a:p>
-        </p:txBody>
-      </p:sp>
+      <mc:AlternateContent xmlns:mc="http://schemas.openxmlformats.org/markup-compatibility/2006" xmlns:a14="http://schemas.microsoft.com/office/drawing/2010/main">
+        <mc:Choice Requires="a14">
+          <p:sp>
+            <p:nvSpPr>
+              <p:cNvPr id="2" name="TextBox 1"/>
+              <p:cNvSpPr txBox="1"/>
+              <p:nvPr/>
+            </p:nvSpPr>
+            <p:spPr>
+              <a:xfrm>
+                <a:off x="347663" y="708553"/>
+                <a:ext cx="11006137" cy="1042017"/>
+              </a:xfrm>
+              <a:prstGeom prst="rect">
+                <a:avLst/>
+              </a:prstGeom>
+              <a:noFill/>
+            </p:spPr>
+            <p:txBody>
+              <a:bodyPr wrap="square" rtlCol="0">
+                <a:spAutoFit/>
+              </a:bodyPr>
+              <a:lstStyle/>
+              <a:p>
+                <a:pPr marL="285750" indent="-285750">
+                  <a:buFont typeface="Wingdings" charset="2"/>
+                  <a:buChar char="q"/>
+                </a:pPr>
+                <a:r>
+                  <a:rPr lang="en-US" sz="2000" b="0" i="0" dirty="0">
+                    <a:solidFill>
+                      <a:srgbClr val="1F2328"/>
+                    </a:solidFill>
+                    <a:effectLst/>
+                    <a:latin typeface="-apple-system"/>
+                  </a:rPr>
+                  <a:t>Root Mean Squared Error (RMSE) of 1.36 (sales price is in the units of </a:t>
+                </a:r>
+                <a:r>
+                  <a:rPr lang="en-US" sz="2000" dirty="0">
+                    <a:solidFill>
+                      <a:srgbClr val="1F2328"/>
+                    </a:solidFill>
+                    <a:latin typeface="-apple-system"/>
+                  </a:rPr>
+                  <a:t>1</a:t>
+                </a:r>
+                <a:r>
+                  <a:rPr lang="en-US" sz="2000" b="0" i="0" dirty="0">
+                    <a:solidFill>
+                      <a:srgbClr val="1F2328"/>
+                    </a:solidFill>
+                    <a:effectLst/>
+                    <a:latin typeface="-apple-system"/>
+                  </a:rPr>
+                  <a:t>00000 INR) and </a:t>
+                </a:r>
+                <a14:m>
+                  <m:oMath xmlns:m="http://schemas.openxmlformats.org/officeDocument/2006/math">
+                    <m:sSup>
+                      <m:sSupPr>
+                        <m:ctrlPr>
+                          <a:rPr lang="en-US" sz="2000" b="0" i="1" smtClean="0">
+                            <a:solidFill>
+                              <a:srgbClr val="1F2328"/>
+                            </a:solidFill>
+                            <a:effectLst/>
+                            <a:latin typeface="Cambria Math" panose="02040503050406030204" pitchFamily="18" charset="0"/>
+                          </a:rPr>
+                        </m:ctrlPr>
+                      </m:sSupPr>
+                      <m:e>
+                        <m:r>
+                          <a:rPr lang="en-US" sz="2000" b="0" i="1" smtClean="0">
+                            <a:solidFill>
+                              <a:srgbClr val="1F2328"/>
+                            </a:solidFill>
+                            <a:effectLst/>
+                            <a:latin typeface="Cambria Math" panose="02040503050406030204" pitchFamily="18" charset="0"/>
+                          </a:rPr>
+                          <m:t>𝑅</m:t>
+                        </m:r>
+                      </m:e>
+                      <m:sup>
+                        <m:r>
+                          <a:rPr lang="en-US" sz="2000" b="0" i="1" smtClean="0">
+                            <a:solidFill>
+                              <a:srgbClr val="1F2328"/>
+                            </a:solidFill>
+                            <a:effectLst/>
+                            <a:latin typeface="Cambria Math" panose="02040503050406030204" pitchFamily="18" charset="0"/>
+                          </a:rPr>
+                          <m:t>2</m:t>
+                        </m:r>
+                      </m:sup>
+                    </m:sSup>
+                    <m:r>
+                      <m:rPr>
+                        <m:nor/>
+                      </m:rPr>
+                      <a:rPr lang="en-US" sz="2000" dirty="0"/>
+                      <m:t>=0.72</m:t>
+                    </m:r>
+                  </m:oMath>
+                </a14:m>
+                <a:r>
+                  <a:rPr lang="en-US" sz="2000" dirty="0"/>
+                  <a:t>.</a:t>
+                </a:r>
+              </a:p>
+              <a:p>
+                <a:pPr marL="285750" indent="-285750">
+                  <a:buFont typeface="Wingdings" charset="2"/>
+                  <a:buChar char="q"/>
+                </a:pPr>
+                <a:r>
+                  <a:rPr lang="en-US" sz="2000" dirty="0">
+                    <a:solidFill>
+                      <a:srgbClr val="1F2328"/>
+                    </a:solidFill>
+                    <a:latin typeface="-apple-system"/>
+                  </a:rPr>
+                  <a:t>C</a:t>
+                </a:r>
+                <a:r>
+                  <a:rPr lang="en-US" sz="2000" b="0" i="0" dirty="0">
+                    <a:solidFill>
+                      <a:srgbClr val="1F2328"/>
+                    </a:solidFill>
+                    <a:effectLst/>
+                    <a:latin typeface="-apple-system"/>
+                  </a:rPr>
+                  <a:t>alculate residuals (difference between predicted label values and true values) and check </a:t>
+                </a:r>
+                <a:r>
+                  <a:rPr lang="en-US" sz="2000" b="0" i="0" dirty="0">
+                    <a:solidFill>
+                      <a:srgbClr val="001D35"/>
+                    </a:solidFill>
+                    <a:effectLst/>
+                    <a:latin typeface="Google Sans"/>
+                  </a:rPr>
+                  <a:t>Linear Regression assumptions</a:t>
+                </a:r>
+                <a:endParaRPr lang="en-US" sz="2000" b="0" i="0" dirty="0">
+                  <a:solidFill>
+                    <a:srgbClr val="1F2328"/>
+                  </a:solidFill>
+                  <a:effectLst/>
+                  <a:latin typeface="-apple-system"/>
+                </a:endParaRPr>
+              </a:p>
+            </p:txBody>
+          </p:sp>
+        </mc:Choice>
+        <mc:Fallback xmlns="">
+          <p:sp>
+            <p:nvSpPr>
+              <p:cNvPr id="2" name="TextBox 1"/>
+              <p:cNvSpPr txBox="1">
+                <a:spLocks noRot="1" noChangeAspect="1" noMove="1" noResize="1" noEditPoints="1" noAdjustHandles="1" noChangeArrowheads="1" noChangeShapeType="1" noTextEdit="1"/>
+              </p:cNvSpPr>
+              <p:nvPr/>
+            </p:nvSpPr>
+            <p:spPr>
+              <a:xfrm>
+                <a:off x="347663" y="708553"/>
+                <a:ext cx="11006137" cy="1042017"/>
+              </a:xfrm>
+              <a:prstGeom prst="rect">
+                <a:avLst/>
+              </a:prstGeom>
+              <a:blipFill>
+                <a:blip r:embed="rId3"/>
+                <a:stretch>
+                  <a:fillRect l="-498" t="-2924" b="-7018"/>
+                </a:stretch>
+              </a:blipFill>
+            </p:spPr>
+            <p:txBody>
+              <a:bodyPr/>
+              <a:lstStyle/>
+              <a:p>
+                <a:r>
+                  <a:rPr lang="en-US">
+                    <a:noFill/>
+                  </a:rPr>
+                  <a:t> </a:t>
+                </a:r>
+              </a:p>
+            </p:txBody>
+          </p:sp>
+        </mc:Fallback>
+      </mc:AlternateContent>
       <p:sp>
         <p:nvSpPr>
           <p:cNvPr id="6" name="TextBox 5">
@@ -7038,7 +7128,7 @@
           <p:nvPr/>
         </p:nvPicPr>
         <p:blipFill>
-          <a:blip r:embed="rId3">
+          <a:blip r:embed="rId4">
             <a:extLst>
               <a:ext uri="{28A0092B-C50C-407E-A947-70E740481C1C}">
                 <a14:useLocalDpi xmlns:a14="http://schemas.microsoft.com/office/drawing/2010/main" val="0"/>
@@ -7074,7 +7164,7 @@
           <p:nvPr/>
         </p:nvPicPr>
         <p:blipFill>
-          <a:blip r:embed="rId4">
+          <a:blip r:embed="rId5">
             <a:extLst>
               <a:ext uri="{28A0092B-C50C-407E-A947-70E740481C1C}">
                 <a14:useLocalDpi xmlns:a14="http://schemas.microsoft.com/office/drawing/2010/main" val="0"/>
@@ -7454,7 +7544,7 @@
               <p:nvPr>
                 <p:extLst>
                   <p:ext uri="{D42A27DB-BD31-4B8C-83A1-F6EECF244321}">
-                    <p14:modId xmlns:p14="http://schemas.microsoft.com/office/powerpoint/2010/main" val="66312455"/>
+                    <p14:modId xmlns:p14="http://schemas.microsoft.com/office/powerpoint/2010/main" val="3675491973"/>
                   </p:ext>
                 </p:extLst>
               </p:nvPr>
@@ -7632,7 +7722,7 @@
                         <a:p>
                           <a:r>
                             <a:rPr lang="en-US" dirty="0"/>
-                            <a:t>1.02</a:t>
+                            <a:t>1.04</a:t>
                           </a:r>
                         </a:p>
                       </a:txBody>
@@ -7645,7 +7735,7 @@
                         <a:p>
                           <a:r>
                             <a:rPr lang="en-US" dirty="0"/>
-                            <a:t>1.35</a:t>
+                            <a:t>1.36</a:t>
                           </a:r>
                         </a:p>
                       </a:txBody>
@@ -7671,7 +7761,7 @@
                         <a:p>
                           <a:r>
                             <a:rPr lang="en-US" dirty="0"/>
-                            <a:t>0.73</a:t>
+                            <a:t>0.72</a:t>
                           </a:r>
                         </a:p>
                       </a:txBody>
@@ -7712,7 +7802,7 @@
                         <a:p>
                           <a:r>
                             <a:rPr lang="en-US" dirty="0"/>
-                            <a:t>0.81</a:t>
+                            <a:t>0.82</a:t>
                           </a:r>
                         </a:p>
                       </a:txBody>
@@ -7751,7 +7841,7 @@
                         <a:p>
                           <a:r>
                             <a:rPr lang="en-US" dirty="0"/>
-                            <a:t>0.82</a:t>
+                            <a:t>0.81</a:t>
                           </a:r>
                         </a:p>
                       </a:txBody>
@@ -7771,25 +7861,7 @@
                         <a:p>
                           <a:r>
                             <a:rPr lang="en-US" dirty="0"/>
-                            <a:t>K-Nearest </a:t>
-                          </a:r>
-                          <a:r>
-                            <a:rPr lang="en-US" dirty="0" err="1"/>
-                            <a:t>Neighbours</a:t>
-                          </a:r>
-                          <a:endParaRPr lang="en-US" dirty="0"/>
-                        </a:p>
-                      </a:txBody>
-                      <a:tcPr/>
-                    </a:tc>
-                    <a:tc>
-                      <a:txBody>
-                        <a:bodyPr/>
-                        <a:lstStyle/>
-                        <a:p>
-                          <a:r>
-                            <a:rPr lang="en-US" dirty="0"/>
-                            <a:t>0.78</a:t>
+                            <a:t>K-Nearest Neighbors</a:t>
                           </a:r>
                         </a:p>
                       </a:txBody>
@@ -7802,7 +7874,7 @@
                         <a:p>
                           <a:r>
                             <a:rPr lang="en-US" dirty="0"/>
-                            <a:t>1.13</a:t>
+                            <a:t>1.41</a:t>
                           </a:r>
                         </a:p>
                       </a:txBody>
@@ -7815,7 +7887,7 @@
                         <a:p>
                           <a:r>
                             <a:rPr lang="en-US" dirty="0"/>
-                            <a:t>22%</a:t>
+                            <a:t>1.98</a:t>
                           </a:r>
                         </a:p>
                       </a:txBody>
@@ -7828,7 +7900,20 @@
                         <a:p>
                           <a:r>
                             <a:rPr lang="en-US" dirty="0"/>
-                            <a:t>0.81</a:t>
+                            <a:t>44%</a:t>
+                          </a:r>
+                        </a:p>
+                      </a:txBody>
+                      <a:tcPr/>
+                    </a:tc>
+                    <a:tc>
+                      <a:txBody>
+                        <a:bodyPr/>
+                        <a:lstStyle/>
+                        <a:p>
+                          <a:r>
+                            <a:rPr lang="en-US" dirty="0"/>
+                            <a:t>0.41</a:t>
                           </a:r>
                         </a:p>
                       </a:txBody>
@@ -7861,7 +7946,7 @@
                         <a:p>
                           <a:r>
                             <a:rPr lang="en-US" dirty="0"/>
-                            <a:t>0.76</a:t>
+                            <a:t>1.53</a:t>
                           </a:r>
                         </a:p>
                       </a:txBody>
@@ -7874,7 +7959,7 @@
                         <a:p>
                           <a:r>
                             <a:rPr lang="en-US" dirty="0"/>
-                            <a:t>1.09</a:t>
+                            <a:t>2.11</a:t>
                           </a:r>
                         </a:p>
                       </a:txBody>
@@ -7887,7 +7972,7 @@
                         <a:p>
                           <a:r>
                             <a:rPr lang="en-US" dirty="0"/>
-                            <a:t>20%</a:t>
+                            <a:t>54%</a:t>
                           </a:r>
                         </a:p>
                       </a:txBody>
@@ -7899,9 +7984,10 @@
                         <a:lstStyle/>
                         <a:p>
                           <a:r>
-                            <a:rPr lang="en-US" dirty="0"/>
-                            <a:t>0.82</a:t>
+                            <a:rPr lang="en-US"/>
+                            <a:t>0.33</a:t>
                           </a:r>
+                          <a:endParaRPr lang="en-US" dirty="0"/>
                         </a:p>
                       </a:txBody>
                       <a:tcPr/>
@@ -8006,7 +8092,7 @@
               <p:nvPr>
                 <p:extLst>
                   <p:ext uri="{D42A27DB-BD31-4B8C-83A1-F6EECF244321}">
-                    <p14:modId xmlns:p14="http://schemas.microsoft.com/office/powerpoint/2010/main" val="66312455"/>
+                    <p14:modId xmlns:p14="http://schemas.microsoft.com/office/powerpoint/2010/main" val="3675491973"/>
                   </p:ext>
                 </p:extLst>
               </p:nvPr>
@@ -8156,7 +8242,7 @@
                         <a:p>
                           <a:r>
                             <a:rPr lang="en-US" dirty="0"/>
-                            <a:t>1.02</a:t>
+                            <a:t>1.04</a:t>
                           </a:r>
                         </a:p>
                       </a:txBody>
@@ -8169,7 +8255,7 @@
                         <a:p>
                           <a:r>
                             <a:rPr lang="en-US" dirty="0"/>
-                            <a:t>1.35</a:t>
+                            <a:t>1.36</a:t>
                           </a:r>
                         </a:p>
                       </a:txBody>
@@ -8195,7 +8281,7 @@
                         <a:p>
                           <a:r>
                             <a:rPr lang="en-US" dirty="0"/>
-                            <a:t>0.73</a:t>
+                            <a:t>0.72</a:t>
                           </a:r>
                         </a:p>
                       </a:txBody>
@@ -8236,7 +8322,7 @@
                         <a:p>
                           <a:r>
                             <a:rPr lang="en-US" dirty="0"/>
-                            <a:t>0.81</a:t>
+                            <a:t>0.82</a:t>
                           </a:r>
                         </a:p>
                       </a:txBody>
@@ -8275,7 +8361,7 @@
                         <a:p>
                           <a:r>
                             <a:rPr lang="en-US" dirty="0"/>
-                            <a:t>0.82</a:t>
+                            <a:t>0.81</a:t>
                           </a:r>
                         </a:p>
                       </a:txBody>
@@ -8295,25 +8381,7 @@
                         <a:p>
                           <a:r>
                             <a:rPr lang="en-US" dirty="0"/>
-                            <a:t>K-Nearest </a:t>
-                          </a:r>
-                          <a:r>
-                            <a:rPr lang="en-US" dirty="0" err="1"/>
-                            <a:t>Neighbours</a:t>
-                          </a:r>
-                          <a:endParaRPr lang="en-US" dirty="0"/>
-                        </a:p>
-                      </a:txBody>
-                      <a:tcPr/>
-                    </a:tc>
-                    <a:tc>
-                      <a:txBody>
-                        <a:bodyPr/>
-                        <a:lstStyle/>
-                        <a:p>
-                          <a:r>
-                            <a:rPr lang="en-US" dirty="0"/>
-                            <a:t>0.78</a:t>
+                            <a:t>K-Nearest Neighbors</a:t>
                           </a:r>
                         </a:p>
                       </a:txBody>
@@ -8326,7 +8394,7 @@
                         <a:p>
                           <a:r>
                             <a:rPr lang="en-US" dirty="0"/>
-                            <a:t>1.13</a:t>
+                            <a:t>1.41</a:t>
                           </a:r>
                         </a:p>
                       </a:txBody>
@@ -8339,7 +8407,7 @@
                         <a:p>
                           <a:r>
                             <a:rPr lang="en-US" dirty="0"/>
-                            <a:t>22%</a:t>
+                            <a:t>1.98</a:t>
                           </a:r>
                         </a:p>
                       </a:txBody>
@@ -8352,7 +8420,20 @@
                         <a:p>
                           <a:r>
                             <a:rPr lang="en-US" dirty="0"/>
-                            <a:t>0.81</a:t>
+                            <a:t>44%</a:t>
+                          </a:r>
+                        </a:p>
+                      </a:txBody>
+                      <a:tcPr/>
+                    </a:tc>
+                    <a:tc>
+                      <a:txBody>
+                        <a:bodyPr/>
+                        <a:lstStyle/>
+                        <a:p>
+                          <a:r>
+                            <a:rPr lang="en-US" dirty="0"/>
+                            <a:t>0.41</a:t>
                           </a:r>
                         </a:p>
                       </a:txBody>
@@ -8385,7 +8466,7 @@
                         <a:p>
                           <a:r>
                             <a:rPr lang="en-US" dirty="0"/>
-                            <a:t>0.76</a:t>
+                            <a:t>1.53</a:t>
                           </a:r>
                         </a:p>
                       </a:txBody>
@@ -8398,7 +8479,7 @@
                         <a:p>
                           <a:r>
                             <a:rPr lang="en-US" dirty="0"/>
-                            <a:t>1.09</a:t>
+                            <a:t>2.11</a:t>
                           </a:r>
                         </a:p>
                       </a:txBody>
@@ -8411,7 +8492,7 @@
                         <a:p>
                           <a:r>
                             <a:rPr lang="en-US" dirty="0"/>
-                            <a:t>20%</a:t>
+                            <a:t>54%</a:t>
                           </a:r>
                         </a:p>
                       </a:txBody>
@@ -8423,9 +8504,10 @@
                         <a:lstStyle/>
                         <a:p>
                           <a:r>
-                            <a:rPr lang="en-US" dirty="0"/>
-                            <a:t>0.82</a:t>
+                            <a:rPr lang="en-US"/>
+                            <a:t>0.33</a:t>
                           </a:r>
+                          <a:endParaRPr lang="en-US" dirty="0"/>
                         </a:p>
                       </a:txBody>
                       <a:tcPr/>
@@ -9356,8 +9438,8 @@
           </a:p>
         </p:txBody>
       </p:sp>
-      <mc:AlternateContent xmlns:mc="http://schemas.openxmlformats.org/markup-compatibility/2006">
-        <mc:Choice xmlns:a14="http://schemas.microsoft.com/office/drawing/2010/main" Requires="a14">
+      <mc:AlternateContent xmlns:mc="http://schemas.openxmlformats.org/markup-compatibility/2006" xmlns:a14="http://schemas.microsoft.com/office/drawing/2010/main">
+        <mc:Choice Requires="a14">
           <p:sp>
             <p:nvSpPr>
               <p:cNvPr id="2" name="TextBox 1"/>
@@ -9670,7 +9752,7 @@
             </p:txBody>
           </p:sp>
         </mc:Choice>
-        <mc:Fallback>
+        <mc:Fallback xmlns="">
           <p:sp>
             <p:nvSpPr>
               <p:cNvPr id="2" name="TextBox 1"/>

--- a/Report/Erdosfall2024_Car_sales_price_prediction_talk.pptx
+++ b/Report/Erdosfall2024_Car_sales_price_prediction_talk.pptx
@@ -204,7 +204,7 @@
           <a:p>
             <a:fld id="{7D1BD353-0E3F-4F7F-B2DA-DDB1E24F65DD}" type="datetimeFigureOut">
               <a:rPr lang="en-US" smtClean="0"/>
-              <a:t>12/16/2024</a:t>
+              <a:t>12/17/2024</a:t>
             </a:fld>
             <a:endParaRPr lang="en-US"/>
           </a:p>
@@ -1140,7 +1140,7 @@
           <a:p>
             <a:fld id="{8C737111-AB33-4E78-99FF-07CB70C4A694}" type="datetimeFigureOut">
               <a:rPr lang="en-US" smtClean="0"/>
-              <a:t>12/16/2024</a:t>
+              <a:t>12/17/2024</a:t>
             </a:fld>
             <a:endParaRPr lang="en-US"/>
           </a:p>
@@ -1338,7 +1338,7 @@
           <a:p>
             <a:fld id="{8C737111-AB33-4E78-99FF-07CB70C4A694}" type="datetimeFigureOut">
               <a:rPr lang="en-US" smtClean="0"/>
-              <a:t>12/16/2024</a:t>
+              <a:t>12/17/2024</a:t>
             </a:fld>
             <a:endParaRPr lang="en-US"/>
           </a:p>
@@ -1546,7 +1546,7 @@
           <a:p>
             <a:fld id="{8C737111-AB33-4E78-99FF-07CB70C4A694}" type="datetimeFigureOut">
               <a:rPr lang="en-US" smtClean="0"/>
-              <a:t>12/16/2024</a:t>
+              <a:t>12/17/2024</a:t>
             </a:fld>
             <a:endParaRPr lang="en-US"/>
           </a:p>
@@ -1744,7 +1744,7 @@
           <a:p>
             <a:fld id="{8C737111-AB33-4E78-99FF-07CB70C4A694}" type="datetimeFigureOut">
               <a:rPr lang="en-US" smtClean="0"/>
-              <a:t>12/16/2024</a:t>
+              <a:t>12/17/2024</a:t>
             </a:fld>
             <a:endParaRPr lang="en-US"/>
           </a:p>
@@ -2019,7 +2019,7 @@
           <a:p>
             <a:fld id="{8C737111-AB33-4E78-99FF-07CB70C4A694}" type="datetimeFigureOut">
               <a:rPr lang="en-US" smtClean="0"/>
-              <a:t>12/16/2024</a:t>
+              <a:t>12/17/2024</a:t>
             </a:fld>
             <a:endParaRPr lang="en-US"/>
           </a:p>
@@ -2284,7 +2284,7 @@
           <a:p>
             <a:fld id="{8C737111-AB33-4E78-99FF-07CB70C4A694}" type="datetimeFigureOut">
               <a:rPr lang="en-US" smtClean="0"/>
-              <a:t>12/16/2024</a:t>
+              <a:t>12/17/2024</a:t>
             </a:fld>
             <a:endParaRPr lang="en-US"/>
           </a:p>
@@ -2696,7 +2696,7 @@
           <a:p>
             <a:fld id="{8C737111-AB33-4E78-99FF-07CB70C4A694}" type="datetimeFigureOut">
               <a:rPr lang="en-US" smtClean="0"/>
-              <a:t>12/16/2024</a:t>
+              <a:t>12/17/2024</a:t>
             </a:fld>
             <a:endParaRPr lang="en-US"/>
           </a:p>
@@ -2837,7 +2837,7 @@
           <a:p>
             <a:fld id="{8C737111-AB33-4E78-99FF-07CB70C4A694}" type="datetimeFigureOut">
               <a:rPr lang="en-US" smtClean="0"/>
-              <a:t>12/16/2024</a:t>
+              <a:t>12/17/2024</a:t>
             </a:fld>
             <a:endParaRPr lang="en-US"/>
           </a:p>
@@ -2950,7 +2950,7 @@
           <a:p>
             <a:fld id="{8C737111-AB33-4E78-99FF-07CB70C4A694}" type="datetimeFigureOut">
               <a:rPr lang="en-US" smtClean="0"/>
-              <a:t>12/16/2024</a:t>
+              <a:t>12/17/2024</a:t>
             </a:fld>
             <a:endParaRPr lang="en-US"/>
           </a:p>
@@ -3261,7 +3261,7 @@
           <a:p>
             <a:fld id="{8C737111-AB33-4E78-99FF-07CB70C4A694}" type="datetimeFigureOut">
               <a:rPr lang="en-US" smtClean="0"/>
-              <a:t>12/16/2024</a:t>
+              <a:t>12/17/2024</a:t>
             </a:fld>
             <a:endParaRPr lang="en-US"/>
           </a:p>
@@ -3549,7 +3549,7 @@
           <a:p>
             <a:fld id="{8C737111-AB33-4E78-99FF-07CB70C4A694}" type="datetimeFigureOut">
               <a:rPr lang="en-US" smtClean="0"/>
-              <a:t>12/16/2024</a:t>
+              <a:t>12/17/2024</a:t>
             </a:fld>
             <a:endParaRPr lang="en-US"/>
           </a:p>
@@ -3790,7 +3790,7 @@
           <a:p>
             <a:fld id="{8C737111-AB33-4E78-99FF-07CB70C4A694}" type="datetimeFigureOut">
               <a:rPr lang="en-US" smtClean="0"/>
-              <a:t>12/16/2024</a:t>
+              <a:t>12/17/2024</a:t>
             </a:fld>
             <a:endParaRPr lang="en-US"/>
           </a:p>
@@ -7544,7 +7544,7 @@
               <p:nvPr>
                 <p:extLst>
                   <p:ext uri="{D42A27DB-BD31-4B8C-83A1-F6EECF244321}">
-                    <p14:modId xmlns:p14="http://schemas.microsoft.com/office/powerpoint/2010/main" val="3675491973"/>
+                    <p14:modId xmlns:p14="http://schemas.microsoft.com/office/powerpoint/2010/main" val="1986739971"/>
                   </p:ext>
                 </p:extLst>
               </p:nvPr>
@@ -7874,7 +7874,7 @@
                         <a:p>
                           <a:r>
                             <a:rPr lang="en-US" dirty="0"/>
-                            <a:t>1.41</a:t>
+                            <a:t>0.83</a:t>
                           </a:r>
                         </a:p>
                       </a:txBody>
@@ -7887,7 +7887,7 @@
                         <a:p>
                           <a:r>
                             <a:rPr lang="en-US" dirty="0"/>
-                            <a:t>1.98</a:t>
+                            <a:t>1.20</a:t>
                           </a:r>
                         </a:p>
                       </a:txBody>
@@ -7900,7 +7900,7 @@
                         <a:p>
                           <a:r>
                             <a:rPr lang="en-US" dirty="0"/>
-                            <a:t>44%</a:t>
+                            <a:t>23%</a:t>
                           </a:r>
                         </a:p>
                       </a:txBody>
@@ -7913,7 +7913,7 @@
                         <a:p>
                           <a:r>
                             <a:rPr lang="en-US" dirty="0"/>
-                            <a:t>0.41</a:t>
+                            <a:t>0.78</a:t>
                           </a:r>
                         </a:p>
                       </a:txBody>
@@ -7946,7 +7946,7 @@
                         <a:p>
                           <a:r>
                             <a:rPr lang="en-US" dirty="0"/>
-                            <a:t>1.53</a:t>
+                            <a:t>0.76</a:t>
                           </a:r>
                         </a:p>
                       </a:txBody>
@@ -7959,7 +7959,7 @@
                         <a:p>
                           <a:r>
                             <a:rPr lang="en-US" dirty="0"/>
-                            <a:t>2.11</a:t>
+                            <a:t>1.07</a:t>
                           </a:r>
                         </a:p>
                       </a:txBody>
@@ -7972,7 +7972,7 @@
                         <a:p>
                           <a:r>
                             <a:rPr lang="en-US" dirty="0"/>
-                            <a:t>54%</a:t>
+                            <a:t>20%</a:t>
                           </a:r>
                         </a:p>
                       </a:txBody>
@@ -7984,10 +7984,9 @@
                         <a:lstStyle/>
                         <a:p>
                           <a:r>
-                            <a:rPr lang="en-US"/>
-                            <a:t>0.33</a:t>
+                            <a:rPr lang="en-US" dirty="0"/>
+                            <a:t>0.83</a:t>
                           </a:r>
-                          <a:endParaRPr lang="en-US" dirty="0"/>
                         </a:p>
                       </a:txBody>
                       <a:tcPr/>
@@ -8033,7 +8032,7 @@
                         <a:p>
                           <a:r>
                             <a:rPr lang="en-US" dirty="0"/>
-                            <a:t>0.87</a:t>
+                            <a:t>0.86</a:t>
                           </a:r>
                         </a:p>
                       </a:txBody>
@@ -8059,7 +8058,7 @@
                         <a:p>
                           <a:r>
                             <a:rPr lang="en-US" dirty="0"/>
-                            <a:t>0.89 </a:t>
+                            <a:t>0.88</a:t>
                           </a:r>
                         </a:p>
                       </a:txBody>
@@ -8092,7 +8091,7 @@
               <p:nvPr>
                 <p:extLst>
                   <p:ext uri="{D42A27DB-BD31-4B8C-83A1-F6EECF244321}">
-                    <p14:modId xmlns:p14="http://schemas.microsoft.com/office/powerpoint/2010/main" val="3675491973"/>
+                    <p14:modId xmlns:p14="http://schemas.microsoft.com/office/powerpoint/2010/main" val="1986739971"/>
                   </p:ext>
                 </p:extLst>
               </p:nvPr>
@@ -8394,7 +8393,7 @@
                         <a:p>
                           <a:r>
                             <a:rPr lang="en-US" dirty="0"/>
-                            <a:t>1.41</a:t>
+                            <a:t>0.83</a:t>
                           </a:r>
                         </a:p>
                       </a:txBody>
@@ -8407,7 +8406,7 @@
                         <a:p>
                           <a:r>
                             <a:rPr lang="en-US" dirty="0"/>
-                            <a:t>1.98</a:t>
+                            <a:t>1.20</a:t>
                           </a:r>
                         </a:p>
                       </a:txBody>
@@ -8420,7 +8419,7 @@
                         <a:p>
                           <a:r>
                             <a:rPr lang="en-US" dirty="0"/>
-                            <a:t>44%</a:t>
+                            <a:t>23%</a:t>
                           </a:r>
                         </a:p>
                       </a:txBody>
@@ -8433,7 +8432,7 @@
                         <a:p>
                           <a:r>
                             <a:rPr lang="en-US" dirty="0"/>
-                            <a:t>0.41</a:t>
+                            <a:t>0.78</a:t>
                           </a:r>
                         </a:p>
                       </a:txBody>
@@ -8466,7 +8465,7 @@
                         <a:p>
                           <a:r>
                             <a:rPr lang="en-US" dirty="0"/>
-                            <a:t>1.53</a:t>
+                            <a:t>0.76</a:t>
                           </a:r>
                         </a:p>
                       </a:txBody>
@@ -8479,7 +8478,7 @@
                         <a:p>
                           <a:r>
                             <a:rPr lang="en-US" dirty="0"/>
-                            <a:t>2.11</a:t>
+                            <a:t>1.07</a:t>
                           </a:r>
                         </a:p>
                       </a:txBody>
@@ -8492,7 +8491,7 @@
                         <a:p>
                           <a:r>
                             <a:rPr lang="en-US" dirty="0"/>
-                            <a:t>54%</a:t>
+                            <a:t>20%</a:t>
                           </a:r>
                         </a:p>
                       </a:txBody>
@@ -8504,10 +8503,9 @@
                         <a:lstStyle/>
                         <a:p>
                           <a:r>
-                            <a:rPr lang="en-US"/>
-                            <a:t>0.33</a:t>
+                            <a:rPr lang="en-US" dirty="0"/>
+                            <a:t>0.83</a:t>
                           </a:r>
-                          <a:endParaRPr lang="en-US" dirty="0"/>
                         </a:p>
                       </a:txBody>
                       <a:tcPr/>
@@ -8553,7 +8551,7 @@
                         <a:p>
                           <a:r>
                             <a:rPr lang="en-US" dirty="0"/>
-                            <a:t>0.87</a:t>
+                            <a:t>0.86</a:t>
                           </a:r>
                         </a:p>
                       </a:txBody>
@@ -8579,7 +8577,7 @@
                         <a:p>
                           <a:r>
                             <a:rPr lang="en-US" dirty="0"/>
-                            <a:t>0.89 </a:t>
+                            <a:t>0.88</a:t>
                           </a:r>
                         </a:p>
                       </a:txBody>
@@ -9438,8 +9436,8 @@
           </a:p>
         </p:txBody>
       </p:sp>
-      <mc:AlternateContent xmlns:mc="http://schemas.openxmlformats.org/markup-compatibility/2006" xmlns:a14="http://schemas.microsoft.com/office/drawing/2010/main">
-        <mc:Choice Requires="a14">
+      <mc:AlternateContent xmlns:mc="http://schemas.openxmlformats.org/markup-compatibility/2006">
+        <mc:Choice xmlns:a14="http://schemas.microsoft.com/office/drawing/2010/main" Requires="a14">
           <p:sp>
             <p:nvSpPr>
               <p:cNvPr id="2" name="TextBox 1"/>
@@ -9588,9 +9586,10 @@
                   </m:oMath>
                 </a14:m>
                 <a:r>
-                  <a:rPr lang="en-US" sz="2000" dirty="0"/>
-                  <a:t>=0.89</a:t>
+                  <a:rPr lang="en-US" sz="2000"/>
+                  <a:t>=0.88</a:t>
                 </a:r>
+                <a:endParaRPr lang="en-US" sz="2000" dirty="0"/>
               </a:p>
               <a:p>
                 <a:pPr marL="285750" indent="-285750">
@@ -9752,7 +9751,7 @@
             </p:txBody>
           </p:sp>
         </mc:Choice>
-        <mc:Fallback xmlns="">
+        <mc:Fallback>
           <p:sp>
             <p:nvSpPr>
               <p:cNvPr id="2" name="TextBox 1"/>

--- a/Report/Erdosfall2024_Car_sales_price_prediction_talk.pptx
+++ b/Report/Erdosfall2024_Car_sales_price_prediction_talk.pptx
@@ -6737,6 +6737,77 @@
           <a:chExt cx="0" cy="0"/>
         </a:xfrm>
       </p:grpSpPr>
+      <p:pic>
+        <p:nvPicPr>
+          <p:cNvPr id="11" name="Picture 10" descr="A graph of a number of dots&#10;&#10;Description automatically generated with medium confidence">
+            <a:extLst>
+              <a:ext uri="{FF2B5EF4-FFF2-40B4-BE49-F238E27FC236}">
+                <a16:creationId xmlns:a16="http://schemas.microsoft.com/office/drawing/2014/main" id="{D65F3E03-D57C-B0F0-8E86-C98D7FB571FD}"/>
+              </a:ext>
+            </a:extLst>
+          </p:cNvPr>
+          <p:cNvPicPr>
+            <a:picLocks noChangeAspect="1"/>
+          </p:cNvPicPr>
+          <p:nvPr/>
+        </p:nvPicPr>
+        <p:blipFill>
+          <a:blip r:embed="rId3">
+            <a:extLst>
+              <a:ext uri="{28A0092B-C50C-407E-A947-70E740481C1C}">
+                <a14:useLocalDpi xmlns:a14="http://schemas.microsoft.com/office/drawing/2010/main" val="0"/>
+              </a:ext>
+            </a:extLst>
+          </a:blip>
+          <a:srcRect b="6753"/>
+          <a:stretch/>
+        </p:blipFill>
+        <p:spPr>
+          <a:xfrm>
+            <a:off x="433114" y="1652206"/>
+            <a:ext cx="5166370" cy="3691954"/>
+          </a:xfrm>
+          <a:prstGeom prst="rect">
+            <a:avLst/>
+          </a:prstGeom>
+        </p:spPr>
+      </p:pic>
+      <p:pic>
+        <p:nvPicPr>
+          <p:cNvPr id="7" name="Picture 6" descr="A graph with a red line&#10;&#10;Description automatically generated">
+            <a:extLst>
+              <a:ext uri="{FF2B5EF4-FFF2-40B4-BE49-F238E27FC236}">
+                <a16:creationId xmlns:a16="http://schemas.microsoft.com/office/drawing/2014/main" id="{93F336A4-8CB6-B990-B591-86D6968DD217}"/>
+              </a:ext>
+            </a:extLst>
+          </p:cNvPr>
+          <p:cNvPicPr>
+            <a:picLocks noChangeAspect="1"/>
+          </p:cNvPicPr>
+          <p:nvPr/>
+        </p:nvPicPr>
+        <p:blipFill>
+          <a:blip r:embed="rId4">
+            <a:extLst>
+              <a:ext uri="{28A0092B-C50C-407E-A947-70E740481C1C}">
+                <a14:useLocalDpi xmlns:a14="http://schemas.microsoft.com/office/drawing/2010/main" val="0"/>
+              </a:ext>
+            </a:extLst>
+          </a:blip>
+          <a:stretch>
+            <a:fillRect/>
+          </a:stretch>
+        </p:blipFill>
+        <p:spPr>
+          <a:xfrm>
+            <a:off x="6096000" y="1427239"/>
+            <a:ext cx="5166370" cy="4142240"/>
+          </a:xfrm>
+          <a:prstGeom prst="rect">
+            <a:avLst/>
+          </a:prstGeom>
+        </p:spPr>
+      </p:pic>
       <p:sp>
         <p:nvSpPr>
           <p:cNvPr id="3" name="Slide Number Placeholder 2"/>
@@ -6984,7 +7055,7 @@
                 <a:avLst/>
               </a:prstGeom>
               <a:blipFill>
-                <a:blip r:embed="rId3"/>
+                <a:blip r:embed="rId5"/>
                 <a:stretch>
                   <a:fillRect l="-498" t="-2924" b="-7018"/>
                 </a:stretch>
@@ -7113,92 +7184,21 @@
           </a:p>
         </p:txBody>
       </p:sp>
-      <p:pic>
-        <p:nvPicPr>
-          <p:cNvPr id="10" name="Picture 9" descr="A graph with a line drawn on it&#10;&#10;Description automatically generated">
-            <a:extLst>
-              <a:ext uri="{FF2B5EF4-FFF2-40B4-BE49-F238E27FC236}">
-                <a16:creationId xmlns:a16="http://schemas.microsoft.com/office/drawing/2014/main" id="{9DFC3C88-3A98-3358-CEAD-26D0C7495293}"/>
-              </a:ext>
-            </a:extLst>
-          </p:cNvPr>
-          <p:cNvPicPr>
-            <a:picLocks noChangeAspect="1"/>
-          </p:cNvPicPr>
+      <p:sp>
+        <p:nvSpPr>
+          <p:cNvPr id="13" name="TextBox 12">
+            <a:extLst>
+              <a:ext uri="{FF2B5EF4-FFF2-40B4-BE49-F238E27FC236}">
+                <a16:creationId xmlns:a16="http://schemas.microsoft.com/office/drawing/2014/main" id="{33611EAC-388F-9397-242D-CCBC98A8FFB4}"/>
+              </a:ext>
+            </a:extLst>
+          </p:cNvPr>
+          <p:cNvSpPr txBox="1"/>
           <p:nvPr/>
-        </p:nvPicPr>
-        <p:blipFill>
-          <a:blip r:embed="rId4">
-            <a:extLst>
-              <a:ext uri="{28A0092B-C50C-407E-A947-70E740481C1C}">
-                <a14:useLocalDpi xmlns:a14="http://schemas.microsoft.com/office/drawing/2010/main" val="0"/>
-              </a:ext>
-            </a:extLst>
-          </a:blip>
-          <a:stretch>
-            <a:fillRect/>
-          </a:stretch>
-        </p:blipFill>
+        </p:nvSpPr>
         <p:spPr>
           <a:xfrm>
-            <a:off x="6298878" y="1461811"/>
-            <a:ext cx="5166370" cy="4142240"/>
-          </a:xfrm>
-          <a:prstGeom prst="rect">
-            <a:avLst/>
-          </a:prstGeom>
-        </p:spPr>
-      </p:pic>
-      <p:pic>
-        <p:nvPicPr>
-          <p:cNvPr id="12" name="Picture 11" descr="A graph of blue dots&#10;&#10;Description automatically generated">
-            <a:extLst>
-              <a:ext uri="{FF2B5EF4-FFF2-40B4-BE49-F238E27FC236}">
-                <a16:creationId xmlns:a16="http://schemas.microsoft.com/office/drawing/2014/main" id="{69F93BD9-1F50-2E2C-5A42-33663BB4E375}"/>
-              </a:ext>
-            </a:extLst>
-          </p:cNvPr>
-          <p:cNvPicPr>
-            <a:picLocks noChangeAspect="1"/>
-          </p:cNvPicPr>
-          <p:nvPr/>
-        </p:nvPicPr>
-        <p:blipFill>
-          <a:blip r:embed="rId5">
-            <a:extLst>
-              <a:ext uri="{28A0092B-C50C-407E-A947-70E740481C1C}">
-                <a14:useLocalDpi xmlns:a14="http://schemas.microsoft.com/office/drawing/2010/main" val="0"/>
-              </a:ext>
-            </a:extLst>
-          </a:blip>
-          <a:srcRect b="5872"/>
-          <a:stretch/>
-        </p:blipFill>
-        <p:spPr>
-          <a:xfrm>
-            <a:off x="447401" y="1653835"/>
-            <a:ext cx="5166370" cy="3718265"/>
-          </a:xfrm>
-          <a:prstGeom prst="rect">
-            <a:avLst/>
-          </a:prstGeom>
-        </p:spPr>
-      </p:pic>
-      <p:sp>
-        <p:nvSpPr>
-          <p:cNvPr id="13" name="TextBox 12">
-            <a:extLst>
-              <a:ext uri="{FF2B5EF4-FFF2-40B4-BE49-F238E27FC236}">
-                <a16:creationId xmlns:a16="http://schemas.microsoft.com/office/drawing/2014/main" id="{33611EAC-388F-9397-242D-CCBC98A8FFB4}"/>
-              </a:ext>
-            </a:extLst>
-          </p:cNvPr>
-          <p:cNvSpPr txBox="1"/>
-          <p:nvPr/>
-        </p:nvSpPr>
-        <p:spPr>
-          <a:xfrm>
-            <a:off x="3016299" y="5246148"/>
+            <a:off x="2924859" y="5261783"/>
             <a:ext cx="1155652" cy="369332"/>
           </a:xfrm>
           <a:prstGeom prst="rect">
@@ -7527,8 +7527,8 @@
           </a:p>
         </p:txBody>
       </p:sp>
-      <mc:AlternateContent xmlns:mc="http://schemas.openxmlformats.org/markup-compatibility/2006">
-        <mc:Choice xmlns:a14="http://schemas.microsoft.com/office/drawing/2010/main" Requires="a14">
+      <mc:AlternateContent xmlns:mc="http://schemas.openxmlformats.org/markup-compatibility/2006" xmlns:a14="http://schemas.microsoft.com/office/drawing/2010/main">
+        <mc:Choice Requires="a14">
           <p:graphicFrame>
             <p:nvGraphicFramePr>
               <p:cNvPr id="4" name="Table 3">
@@ -8075,7 +8075,7 @@
             </a:graphic>
           </p:graphicFrame>
         </mc:Choice>
-        <mc:Fallback>
+        <mc:Fallback xmlns="">
           <p:graphicFrame>
             <p:nvGraphicFramePr>
               <p:cNvPr id="4" name="Table 3">
@@ -9436,8 +9436,8 @@
           </a:p>
         </p:txBody>
       </p:sp>
-      <mc:AlternateContent xmlns:mc="http://schemas.openxmlformats.org/markup-compatibility/2006">
-        <mc:Choice xmlns:a14="http://schemas.microsoft.com/office/drawing/2010/main" Requires="a14">
+      <mc:AlternateContent xmlns:mc="http://schemas.openxmlformats.org/markup-compatibility/2006" xmlns:a14="http://schemas.microsoft.com/office/drawing/2010/main">
+        <mc:Choice Requires="a14">
           <p:sp>
             <p:nvSpPr>
               <p:cNvPr id="2" name="TextBox 1"/>
@@ -9751,7 +9751,7 @@
             </p:txBody>
           </p:sp>
         </mc:Choice>
-        <mc:Fallback>
+        <mc:Fallback xmlns="">
           <p:sp>
             <p:nvSpPr>
               <p:cNvPr id="2" name="TextBox 1"/>
